--- a/images/新建 Microsoft PowerPoint Presentation.pptx
+++ b/images/新建 Microsoft PowerPoint Presentation.pptx
@@ -104,6 +104,11 @@
       </a:defRPr>
     </a:lvl9pPr>
   </p:defaultTextStyle>
+  <p:extLst>
+    <p:ext uri="{EFAFB233-063F-42B5-8137-9DF3F51BA10A}">
+      <p15:sldGuideLst xmlns:p15="http://schemas.microsoft.com/office/powerpoint/2012/main"/>
+    </p:ext>
+  </p:extLst>
 </p:presentation>
 </file>
 
@@ -3590,8 +3595,8 @@
         </p:nvSpPr>
         <p:spPr>
           <a:xfrm>
-            <a:off x="4840234" y="5704001"/>
-            <a:ext cx="5697560" cy="523220"/>
+            <a:off x="4840233" y="5025523"/>
+            <a:ext cx="5697560" cy="1384995"/>
           </a:xfrm>
           <a:prstGeom prst="rect">
             <a:avLst/>
@@ -3662,7 +3667,69 @@
             </a:r>
             <a:r>
               <a:rPr lang="zh-CN" altLang="en-US" sz="1400" dirty="0" smtClean="0"/>
-              <a:t>实现负载均衡</a:t>
+              <a:t>实现负载</a:t>
+            </a:r>
+            <a:r>
+              <a:rPr lang="zh-CN" altLang="en-US" sz="1400" dirty="0" smtClean="0"/>
+              <a:t>均衡。</a:t>
+            </a:r>
+            <a:endParaRPr lang="en-US" altLang="zh-CN" sz="1400" dirty="0" smtClean="0"/>
+          </a:p>
+          <a:p>
+            <a:endParaRPr lang="en-US" altLang="zh-CN" sz="1400" dirty="0" smtClean="0"/>
+          </a:p>
+          <a:p>
+            <a:r>
+              <a:rPr lang="zh-CN" altLang="en-US" sz="1400" dirty="0" smtClean="0"/>
+              <a:t>另外，其实</a:t>
+            </a:r>
+            <a:r>
+              <a:rPr lang="en-US" altLang="zh-CN" sz="1400" dirty="0" err="1" smtClean="0"/>
+              <a:t>Nanite</a:t>
+            </a:r>
+            <a:r>
+              <a:rPr lang="zh-CN" altLang="en-US" sz="1400" dirty="0" smtClean="0"/>
+              <a:t>就是实现了一套软的</a:t>
+            </a:r>
+            <a:r>
+              <a:rPr lang="en-US" altLang="zh-CN" sz="1400" dirty="0" smtClean="0"/>
+              <a:t>mesh </a:t>
+            </a:r>
+            <a:r>
+              <a:rPr lang="en-US" altLang="zh-CN" sz="1400" dirty="0" err="1" smtClean="0"/>
+              <a:t>shader</a:t>
+            </a:r>
+            <a:r>
+              <a:rPr lang="zh-CN" altLang="en-US" sz="1400" dirty="0" smtClean="0"/>
+              <a:t>（因为考虑到跨平台的特性），是</a:t>
+            </a:r>
+            <a:r>
+              <a:rPr lang="en-US" altLang="zh-CN" sz="1400" dirty="0" smtClean="0"/>
+              <a:t>GPU Driven</a:t>
+            </a:r>
+            <a:r>
+              <a:rPr lang="zh-CN" altLang="en-US" sz="1400" dirty="0" smtClean="0"/>
+              <a:t>的思路，用</a:t>
+            </a:r>
+            <a:r>
+              <a:rPr lang="en-US" altLang="zh-CN" sz="1400" dirty="0" smtClean="0"/>
+              <a:t>CS</a:t>
+            </a:r>
+            <a:r>
+              <a:rPr lang="zh-CN" altLang="en-US" sz="1400" dirty="0" smtClean="0"/>
+              <a:t>实现</a:t>
+            </a:r>
+            <a:r>
+              <a:rPr lang="en-US" altLang="zh-CN" sz="1400" dirty="0" smtClean="0"/>
+              <a:t>culling</a:t>
+            </a:r>
+            <a:r>
+              <a:rPr lang="zh-CN" altLang="en-US" sz="1400" dirty="0" smtClean="0"/>
+              <a:t>和软光栅小三角形，防止</a:t>
+            </a:r>
+            <a:r>
+              <a:rPr lang="en-US" altLang="zh-CN" sz="1400" dirty="0" smtClean="0"/>
+              <a:t>quad overdraw</a:t>
             </a:r>
             <a:endParaRPr lang="zh-CN" altLang="en-US" sz="1400" dirty="0"/>
           </a:p>
@@ -3676,7 +3743,7 @@
         </p:nvSpPr>
         <p:spPr>
           <a:xfrm>
-            <a:off x="1109201" y="5900396"/>
+            <a:off x="1109200" y="5831940"/>
             <a:ext cx="1663337" cy="374468"/>
           </a:xfrm>
           <a:prstGeom prst="roundRect">
@@ -3749,18 +3816,680 @@
           <a:p>
             <a:pPr algn="ctr"/>
             <a:r>
+              <a:rPr lang="zh-CN" altLang="en-US" sz="1050" dirty="0" smtClean="0"/>
+              <a:t>构建层级</a:t>
+            </a:r>
+            <a:r>
+              <a:rPr lang="en-US" altLang="zh-CN" sz="1050" dirty="0" smtClean="0"/>
+              <a:t> </a:t>
+            </a:r>
+            <a:r>
+              <a:rPr lang="en-US" altLang="zh-CN" sz="1200" dirty="0" smtClean="0"/>
+              <a:t>cluster</a:t>
+            </a:r>
+            <a:r>
+              <a:rPr lang="zh-CN" altLang="en-US" sz="1200" dirty="0" smtClean="0"/>
+              <a:t>，</a:t>
+            </a:r>
+            <a:r>
+              <a:rPr lang="en-US" altLang="zh-CN" sz="1200" dirty="0" smtClean="0"/>
+              <a:t>mesh index</a:t>
+            </a:r>
+            <a:r>
+              <a:rPr lang="zh-CN" altLang="en-US" sz="1200" dirty="0" smtClean="0"/>
+              <a:t>都是</a:t>
+            </a:r>
+            <a:r>
+              <a:rPr lang="en-US" altLang="zh-CN" sz="1200" dirty="0" smtClean="0"/>
+              <a:t>strip</a:t>
+            </a:r>
+            <a:endParaRPr lang="zh-CN" altLang="en-US" sz="1200" dirty="0"/>
+          </a:p>
+        </p:txBody>
+      </p:sp>
+      <p:sp>
+        <p:nvSpPr>
+          <p:cNvPr id="20" name="圆角矩形 19"/>
+          <p:cNvSpPr/>
+          <p:nvPr/>
+        </p:nvSpPr>
+        <p:spPr>
+          <a:xfrm>
+            <a:off x="1109200" y="374809"/>
+            <a:ext cx="1663337" cy="374468"/>
+          </a:xfrm>
+          <a:prstGeom prst="roundRect">
+            <a:avLst/>
+          </a:prstGeom>
+        </p:spPr>
+        <p:style>
+          <a:lnRef idx="2">
+            <a:schemeClr val="accent1">
+              <a:shade val="50000"/>
+            </a:schemeClr>
+          </a:lnRef>
+          <a:fillRef idx="1">
+            <a:schemeClr val="accent1"/>
+          </a:fillRef>
+          <a:effectRef idx="0">
+            <a:schemeClr val="accent1"/>
+          </a:effectRef>
+          <a:fontRef idx="minor">
+            <a:schemeClr val="lt1"/>
+          </a:fontRef>
+        </p:style>
+        <p:txBody>
+          <a:bodyPr rtlCol="0" anchor="ctr"/>
+          <a:lstStyle/>
+          <a:p>
+            <a:pPr algn="ctr"/>
+            <a:r>
+              <a:rPr lang="zh-CN" altLang="en-US" sz="1400" dirty="0"/>
+              <a:t>顶点</a:t>
+            </a:r>
+            <a:r>
               <a:rPr lang="zh-CN" altLang="en-US" sz="1400" dirty="0" smtClean="0"/>
-              <a:t>构建层级</a:t>
-            </a:r>
+              <a:t>属性量化压缩</a:t>
+            </a:r>
+            <a:endParaRPr lang="zh-CN" altLang="en-US" sz="1400" dirty="0"/>
+          </a:p>
+        </p:txBody>
+      </p:sp>
+      <p:sp>
+        <p:nvSpPr>
+          <p:cNvPr id="21" name="圆角矩形 20"/>
+          <p:cNvSpPr/>
+          <p:nvPr/>
+        </p:nvSpPr>
+        <p:spPr>
+          <a:xfrm>
+            <a:off x="3373939" y="1456543"/>
+            <a:ext cx="1663337" cy="374468"/>
+          </a:xfrm>
+          <a:prstGeom prst="roundRect">
+            <a:avLst/>
+          </a:prstGeom>
+        </p:spPr>
+        <p:style>
+          <a:lnRef idx="2">
+            <a:schemeClr val="accent1">
+              <a:shade val="50000"/>
+            </a:schemeClr>
+          </a:lnRef>
+          <a:fillRef idx="1">
+            <a:schemeClr val="accent1"/>
+          </a:fillRef>
+          <a:effectRef idx="0">
+            <a:schemeClr val="accent1"/>
+          </a:effectRef>
+          <a:fontRef idx="minor">
+            <a:schemeClr val="lt1"/>
+          </a:fontRef>
+        </p:style>
+        <p:txBody>
+          <a:bodyPr rtlCol="0" anchor="ctr"/>
+          <a:lstStyle/>
+          <a:p>
+            <a:pPr algn="ctr"/>
+            <a:r>
+              <a:rPr lang="zh-CN" altLang="en-US" sz="1050" dirty="0" smtClean="0"/>
+              <a:t>为每一个</a:t>
+            </a:r>
+            <a:r>
+              <a:rPr lang="en-US" altLang="zh-CN" sz="1050" dirty="0" smtClean="0"/>
+              <a:t>cluster group</a:t>
+            </a:r>
+            <a:r>
+              <a:rPr lang="zh-CN" altLang="en-US" sz="1050" dirty="0" smtClean="0"/>
+              <a:t>构建</a:t>
+            </a:r>
+            <a:r>
+              <a:rPr lang="en-US" altLang="zh-CN" sz="1050" dirty="0" smtClean="0"/>
+              <a:t>page</a:t>
+            </a:r>
+            <a:r>
+              <a:rPr lang="zh-CN" altLang="en-US" sz="1050" dirty="0" smtClean="0"/>
+              <a:t>页表</a:t>
+            </a:r>
+            <a:endParaRPr lang="zh-CN" altLang="en-US" sz="1200" dirty="0"/>
+          </a:p>
+        </p:txBody>
+      </p:sp>
+      <p:cxnSp>
+        <p:nvCxnSpPr>
+          <p:cNvPr id="23" name="直接箭头连接符 22"/>
+          <p:cNvCxnSpPr>
+            <a:stCxn id="20" idx="2"/>
+            <a:endCxn id="32" idx="0"/>
+          </p:cNvCxnSpPr>
+          <p:nvPr/>
+        </p:nvCxnSpPr>
+        <p:spPr>
+          <a:xfrm>
+            <a:off x="1940869" y="749277"/>
+            <a:ext cx="0" cy="374468"/>
+          </a:xfrm>
+          <a:prstGeom prst="straightConnector1">
+            <a:avLst/>
+          </a:prstGeom>
+          <a:ln>
+            <a:tailEnd type="triangle"/>
+          </a:ln>
+        </p:spPr>
+        <p:style>
+          <a:lnRef idx="1">
+            <a:schemeClr val="accent1"/>
+          </a:lnRef>
+          <a:fillRef idx="0">
+            <a:schemeClr val="accent1"/>
+          </a:fillRef>
+          <a:effectRef idx="0">
+            <a:schemeClr val="accent1"/>
+          </a:effectRef>
+          <a:fontRef idx="minor">
+            <a:schemeClr val="tx1"/>
+          </a:fontRef>
+        </p:style>
+      </p:cxnSp>
+      <p:cxnSp>
+        <p:nvCxnSpPr>
+          <p:cNvPr id="26" name="直接箭头连接符 25"/>
+          <p:cNvCxnSpPr>
+            <a:stCxn id="32" idx="2"/>
+            <a:endCxn id="4" idx="0"/>
+          </p:cNvCxnSpPr>
+          <p:nvPr/>
+        </p:nvCxnSpPr>
+        <p:spPr>
+          <a:xfrm>
+            <a:off x="1940869" y="1498213"/>
+            <a:ext cx="2" cy="374468"/>
+          </a:xfrm>
+          <a:prstGeom prst="straightConnector1">
+            <a:avLst/>
+          </a:prstGeom>
+          <a:ln>
+            <a:tailEnd type="triangle"/>
+          </a:ln>
+        </p:spPr>
+        <p:style>
+          <a:lnRef idx="1">
+            <a:schemeClr val="accent1"/>
+          </a:lnRef>
+          <a:fillRef idx="0">
+            <a:schemeClr val="accent1"/>
+          </a:fillRef>
+          <a:effectRef idx="0">
+            <a:schemeClr val="accent1"/>
+          </a:effectRef>
+          <a:fontRef idx="minor">
+            <a:schemeClr val="tx1"/>
+          </a:fontRef>
+        </p:style>
+      </p:cxnSp>
+      <p:cxnSp>
+        <p:nvCxnSpPr>
+          <p:cNvPr id="29" name="直接箭头连接符 28"/>
+          <p:cNvCxnSpPr>
+            <a:stCxn id="32" idx="3"/>
+            <a:endCxn id="21" idx="0"/>
+          </p:cNvCxnSpPr>
+          <p:nvPr/>
+        </p:nvCxnSpPr>
+        <p:spPr>
+          <a:xfrm>
+            <a:off x="2772537" y="1310979"/>
+            <a:ext cx="1433071" cy="145564"/>
+          </a:xfrm>
+          <a:prstGeom prst="straightConnector1">
+            <a:avLst/>
+          </a:prstGeom>
+          <a:ln>
+            <a:tailEnd type="triangle"/>
+          </a:ln>
+        </p:spPr>
+        <p:style>
+          <a:lnRef idx="1">
+            <a:schemeClr val="accent1"/>
+          </a:lnRef>
+          <a:fillRef idx="0">
+            <a:schemeClr val="accent1"/>
+          </a:fillRef>
+          <a:effectRef idx="0">
+            <a:schemeClr val="accent1"/>
+          </a:effectRef>
+          <a:fontRef idx="minor">
+            <a:schemeClr val="tx1"/>
+          </a:fontRef>
+        </p:style>
+      </p:cxnSp>
+      <p:cxnSp>
+        <p:nvCxnSpPr>
+          <p:cNvPr id="33" name="直接箭头连接符 32"/>
+          <p:cNvCxnSpPr>
+            <a:stCxn id="21" idx="2"/>
+            <a:endCxn id="4" idx="3"/>
+          </p:cNvCxnSpPr>
+          <p:nvPr/>
+        </p:nvCxnSpPr>
+        <p:spPr>
+          <a:xfrm flipH="1">
+            <a:off x="2772539" y="1831011"/>
+            <a:ext cx="1433069" cy="228904"/>
+          </a:xfrm>
+          <a:prstGeom prst="straightConnector1">
+            <a:avLst/>
+          </a:prstGeom>
+          <a:ln>
+            <a:tailEnd type="triangle"/>
+          </a:ln>
+        </p:spPr>
+        <p:style>
+          <a:lnRef idx="1">
+            <a:schemeClr val="accent1"/>
+          </a:lnRef>
+          <a:fillRef idx="0">
+            <a:schemeClr val="accent1"/>
+          </a:fillRef>
+          <a:effectRef idx="0">
+            <a:schemeClr val="accent1"/>
+          </a:effectRef>
+          <a:fontRef idx="minor">
+            <a:schemeClr val="tx1"/>
+          </a:fontRef>
+        </p:style>
+      </p:cxnSp>
+      <p:sp>
+        <p:nvSpPr>
+          <p:cNvPr id="34" name="文本框 33"/>
+          <p:cNvSpPr txBox="1"/>
+          <p:nvPr/>
+        </p:nvSpPr>
+        <p:spPr>
+          <a:xfrm>
+            <a:off x="5459641" y="1444550"/>
+            <a:ext cx="3623399" cy="523220"/>
+          </a:xfrm>
+          <a:prstGeom prst="rect">
+            <a:avLst/>
+          </a:prstGeom>
+          <a:noFill/>
+        </p:spPr>
+        <p:txBody>
+          <a:bodyPr wrap="square" rtlCol="0">
+            <a:spAutoFit/>
+          </a:bodyPr>
+          <a:lstStyle/>
+          <a:p>
             <a:r>
               <a:rPr lang="en-US" altLang="zh-CN" sz="1400" dirty="0" smtClean="0"/>
-              <a:t> </a:t>
-            </a:r>
+              <a:t>Page</a:t>
+            </a:r>
+            <a:r>
+              <a:rPr lang="zh-CN" altLang="en-US" sz="1400" dirty="0" smtClean="0"/>
+              <a:t>页表是可选的，主要用于提高</a:t>
+            </a:r>
+            <a:r>
+              <a:rPr lang="en-US" altLang="zh-CN" sz="1400" dirty="0" smtClean="0"/>
+              <a:t>cache</a:t>
+            </a:r>
+            <a:r>
+              <a:rPr lang="zh-CN" altLang="en-US" sz="1400" dirty="0" smtClean="0"/>
+              <a:t>命中率，构建的</a:t>
+            </a:r>
+            <a:r>
+              <a:rPr lang="en-US" altLang="zh-CN" sz="1400" dirty="0" smtClean="0"/>
+              <a:t>page</a:t>
+            </a:r>
+            <a:r>
+              <a:rPr lang="zh-CN" altLang="en-US" sz="1400" dirty="0" smtClean="0"/>
+              <a:t>可以存储到硬盘上</a:t>
+            </a:r>
+            <a:endParaRPr lang="zh-CN" altLang="en-US" sz="1400" dirty="0"/>
+          </a:p>
+        </p:txBody>
+      </p:sp>
+      <p:sp>
+        <p:nvSpPr>
+          <p:cNvPr id="35" name="圆角矩形 34"/>
+          <p:cNvSpPr/>
+          <p:nvPr/>
+        </p:nvSpPr>
+        <p:spPr>
+          <a:xfrm>
+            <a:off x="1109200" y="6462098"/>
+            <a:ext cx="1663337" cy="374468"/>
+          </a:xfrm>
+          <a:prstGeom prst="roundRect">
+            <a:avLst/>
+          </a:prstGeom>
+        </p:spPr>
+        <p:style>
+          <a:lnRef idx="2">
+            <a:schemeClr val="accent1">
+              <a:shade val="50000"/>
+            </a:schemeClr>
+          </a:lnRef>
+          <a:fillRef idx="1">
+            <a:schemeClr val="accent1"/>
+          </a:fillRef>
+          <a:effectRef idx="0">
+            <a:schemeClr val="accent1"/>
+          </a:effectRef>
+          <a:fontRef idx="minor">
+            <a:schemeClr val="lt1"/>
+          </a:fontRef>
+        </p:style>
+        <p:txBody>
+          <a:bodyPr rtlCol="0" anchor="ctr"/>
+          <a:lstStyle/>
+          <a:p>
+            <a:pPr algn="ctr"/>
             <a:r>
               <a:rPr lang="en-US" altLang="zh-CN" dirty="0" smtClean="0"/>
+              <a:t>HZ-</a:t>
+            </a:r>
+            <a:r>
+              <a:rPr lang="en-US" altLang="zh-CN" dirty="0" err="1" smtClean="0"/>
+              <a:t>postcull</a:t>
+            </a:r>
+            <a:endParaRPr lang="zh-CN" altLang="en-US" dirty="0"/>
+          </a:p>
+        </p:txBody>
+      </p:sp>
+      <p:cxnSp>
+        <p:nvCxnSpPr>
+          <p:cNvPr id="36" name="直接箭头连接符 35"/>
+          <p:cNvCxnSpPr>
+            <a:stCxn id="13" idx="2"/>
+            <a:endCxn id="31" idx="0"/>
+          </p:cNvCxnSpPr>
+          <p:nvPr/>
+        </p:nvCxnSpPr>
+        <p:spPr>
+          <a:xfrm>
+            <a:off x="1109201" y="5543697"/>
+            <a:ext cx="831668" cy="288243"/>
+          </a:xfrm>
+          <a:prstGeom prst="straightConnector1">
+            <a:avLst/>
+          </a:prstGeom>
+          <a:ln>
+            <a:tailEnd type="triangle"/>
+          </a:ln>
+        </p:spPr>
+        <p:style>
+          <a:lnRef idx="1">
+            <a:schemeClr val="accent1"/>
+          </a:lnRef>
+          <a:fillRef idx="0">
+            <a:schemeClr val="accent1"/>
+          </a:fillRef>
+          <a:effectRef idx="0">
+            <a:schemeClr val="accent1"/>
+          </a:effectRef>
+          <a:fontRef idx="minor">
+            <a:schemeClr val="tx1"/>
+          </a:fontRef>
+        </p:style>
+      </p:cxnSp>
+      <p:cxnSp>
+        <p:nvCxnSpPr>
+          <p:cNvPr id="39" name="直接箭头连接符 38"/>
+          <p:cNvCxnSpPr>
+            <a:stCxn id="12" idx="2"/>
+            <a:endCxn id="31" idx="0"/>
+          </p:cNvCxnSpPr>
+          <p:nvPr/>
+        </p:nvCxnSpPr>
+        <p:spPr>
+          <a:xfrm flipH="1">
+            <a:off x="1940869" y="5543697"/>
+            <a:ext cx="1175618" cy="288243"/>
+          </a:xfrm>
+          <a:prstGeom prst="straightConnector1">
+            <a:avLst/>
+          </a:prstGeom>
+          <a:ln>
+            <a:tailEnd type="triangle"/>
+          </a:ln>
+        </p:spPr>
+        <p:style>
+          <a:lnRef idx="1">
+            <a:schemeClr val="accent1"/>
+          </a:lnRef>
+          <a:fillRef idx="0">
+            <a:schemeClr val="accent1"/>
+          </a:fillRef>
+          <a:effectRef idx="0">
+            <a:schemeClr val="accent1"/>
+          </a:effectRef>
+          <a:fontRef idx="minor">
+            <a:schemeClr val="tx1"/>
+          </a:fontRef>
+        </p:style>
+      </p:cxnSp>
+      <p:cxnSp>
+        <p:nvCxnSpPr>
+          <p:cNvPr id="42" name="直接箭头连接符 41"/>
+          <p:cNvCxnSpPr>
+            <a:stCxn id="31" idx="2"/>
+            <a:endCxn id="35" idx="0"/>
+          </p:cNvCxnSpPr>
+          <p:nvPr/>
+        </p:nvCxnSpPr>
+        <p:spPr>
+          <a:xfrm>
+            <a:off x="1940869" y="6206408"/>
+            <a:ext cx="0" cy="255690"/>
+          </a:xfrm>
+          <a:prstGeom prst="straightConnector1">
+            <a:avLst/>
+          </a:prstGeom>
+          <a:ln>
+            <a:tailEnd type="triangle"/>
+          </a:ln>
+        </p:spPr>
+        <p:style>
+          <a:lnRef idx="1">
+            <a:schemeClr val="accent1"/>
+          </a:lnRef>
+          <a:fillRef idx="0">
+            <a:schemeClr val="accent1"/>
+          </a:fillRef>
+          <a:effectRef idx="0">
+            <a:schemeClr val="accent1"/>
+          </a:effectRef>
+          <a:fontRef idx="minor">
+            <a:schemeClr val="tx1"/>
+          </a:fontRef>
+        </p:style>
+      </p:cxnSp>
+      <p:sp>
+        <p:nvSpPr>
+          <p:cNvPr id="47" name="圆角矩形 46"/>
+          <p:cNvSpPr/>
+          <p:nvPr/>
+        </p:nvSpPr>
+        <p:spPr>
+          <a:xfrm>
+            <a:off x="3308115" y="6462098"/>
+            <a:ext cx="1663337" cy="374468"/>
+          </a:xfrm>
+          <a:prstGeom prst="roundRect">
+            <a:avLst/>
+          </a:prstGeom>
+        </p:spPr>
+        <p:style>
+          <a:lnRef idx="2">
+            <a:schemeClr val="accent1">
+              <a:shade val="50000"/>
+            </a:schemeClr>
+          </a:lnRef>
+          <a:fillRef idx="1">
+            <a:schemeClr val="accent1"/>
+          </a:fillRef>
+          <a:effectRef idx="0">
+            <a:schemeClr val="accent1"/>
+          </a:effectRef>
+          <a:fontRef idx="minor">
+            <a:schemeClr val="lt1"/>
+          </a:fontRef>
+        </p:style>
+        <p:txBody>
+          <a:bodyPr rtlCol="0" anchor="ctr"/>
+          <a:lstStyle/>
+          <a:p>
+            <a:pPr algn="ctr"/>
+            <a:r>
+              <a:rPr lang="zh-CN" altLang="en-US" dirty="0" smtClean="0"/>
+              <a:t>传统管线</a:t>
+            </a:r>
+            <a:endParaRPr lang="zh-CN" altLang="en-US" dirty="0"/>
+          </a:p>
+        </p:txBody>
+      </p:sp>
+      <p:cxnSp>
+        <p:nvCxnSpPr>
+          <p:cNvPr id="48" name="直接箭头连接符 47"/>
+          <p:cNvCxnSpPr>
+            <a:stCxn id="35" idx="3"/>
+            <a:endCxn id="47" idx="1"/>
+          </p:cNvCxnSpPr>
+          <p:nvPr/>
+        </p:nvCxnSpPr>
+        <p:spPr>
+          <a:xfrm>
+            <a:off x="2772537" y="6649332"/>
+            <a:ext cx="535578" cy="0"/>
+          </a:xfrm>
+          <a:prstGeom prst="straightConnector1">
+            <a:avLst/>
+          </a:prstGeom>
+          <a:ln>
+            <a:tailEnd type="triangle"/>
+          </a:ln>
+        </p:spPr>
+        <p:style>
+          <a:lnRef idx="1">
+            <a:schemeClr val="accent1"/>
+          </a:lnRef>
+          <a:fillRef idx="0">
+            <a:schemeClr val="accent1"/>
+          </a:fillRef>
+          <a:effectRef idx="0">
+            <a:schemeClr val="accent1"/>
+          </a:effectRef>
+          <a:fontRef idx="minor">
+            <a:schemeClr val="tx1"/>
+          </a:fontRef>
+        </p:style>
+      </p:cxnSp>
+      <p:sp>
+        <p:nvSpPr>
+          <p:cNvPr id="51" name="文本框 50"/>
+          <p:cNvSpPr txBox="1"/>
+          <p:nvPr/>
+        </p:nvSpPr>
+        <p:spPr>
+          <a:xfrm>
+            <a:off x="3028534" y="90592"/>
+            <a:ext cx="3623399" cy="461665"/>
+          </a:xfrm>
+          <a:prstGeom prst="rect">
+            <a:avLst/>
+          </a:prstGeom>
+          <a:noFill/>
+        </p:spPr>
+        <p:txBody>
+          <a:bodyPr wrap="square" rtlCol="0">
+            <a:spAutoFit/>
+          </a:bodyPr>
+          <a:lstStyle/>
+          <a:p>
+            <a:r>
+              <a:rPr lang="zh-CN" altLang="en-US" sz="1200" dirty="0" smtClean="0"/>
+              <a:t>因为</a:t>
+            </a:r>
+            <a:r>
+              <a:rPr lang="en-US" altLang="zh-CN" sz="1200" dirty="0" err="1" smtClean="0"/>
+              <a:t>nanite</a:t>
+            </a:r>
+            <a:r>
+              <a:rPr lang="zh-CN" altLang="en-US" sz="1200" dirty="0" smtClean="0"/>
+              <a:t>拥有大量三角形，所以模型数据量会非常大，需要用到顶点属性的量化压缩</a:t>
+            </a:r>
+            <a:endParaRPr lang="zh-CN" altLang="en-US" sz="1200" dirty="0"/>
+          </a:p>
+        </p:txBody>
+      </p:sp>
+      <p:sp>
+        <p:nvSpPr>
+          <p:cNvPr id="52" name="文本框 51"/>
+          <p:cNvSpPr txBox="1"/>
+          <p:nvPr/>
+        </p:nvSpPr>
+        <p:spPr>
+          <a:xfrm>
+            <a:off x="2932739" y="807644"/>
+            <a:ext cx="3623399" cy="461665"/>
+          </a:xfrm>
+          <a:prstGeom prst="rect">
+            <a:avLst/>
+          </a:prstGeom>
+          <a:noFill/>
+        </p:spPr>
+        <p:txBody>
+          <a:bodyPr wrap="square" rtlCol="0">
+            <a:spAutoFit/>
+          </a:bodyPr>
+          <a:lstStyle/>
+          <a:p>
+            <a:r>
+              <a:rPr lang="zh-CN" altLang="en-US" sz="1200" dirty="0" smtClean="0"/>
+              <a:t>单个</a:t>
+            </a:r>
+            <a:r>
+              <a:rPr lang="en-US" altLang="zh-CN" sz="1200" dirty="0" smtClean="0"/>
               <a:t>cluster</a:t>
             </a:r>
-            <a:endParaRPr lang="zh-CN" altLang="en-US" dirty="0"/>
+            <a:r>
+              <a:rPr lang="zh-CN" altLang="en-US" sz="1200" dirty="0" smtClean="0"/>
+              <a:t>并没有太多三角形，所以</a:t>
+            </a:r>
+            <a:r>
+              <a:rPr lang="en-US" altLang="zh-CN" sz="1200" dirty="0" smtClean="0"/>
+              <a:t>cluster</a:t>
+            </a:r>
+            <a:r>
+              <a:rPr lang="zh-CN" altLang="en-US" sz="1200" dirty="0" smtClean="0"/>
+              <a:t>中每个</a:t>
+            </a:r>
+            <a:r>
+              <a:rPr lang="en-US" altLang="zh-CN" sz="1200" dirty="0" smtClean="0"/>
+              <a:t>index</a:t>
+            </a:r>
+            <a:r>
+              <a:rPr lang="zh-CN" altLang="en-US" sz="1200" dirty="0" smtClean="0"/>
+              <a:t>大小占不满</a:t>
+            </a:r>
+            <a:r>
+              <a:rPr lang="en-US" altLang="zh-CN" sz="1200" dirty="0" smtClean="0"/>
+              <a:t>16bit</a:t>
+            </a:r>
+            <a:r>
+              <a:rPr lang="zh-CN" altLang="en-US" sz="1200" dirty="0" smtClean="0"/>
+              <a:t>，同时使用</a:t>
+            </a:r>
+            <a:r>
+              <a:rPr lang="en-US" altLang="zh-CN" sz="1200" dirty="0" smtClean="0"/>
+              <a:t>strip</a:t>
+            </a:r>
+            <a:r>
+              <a:rPr lang="zh-CN" altLang="en-US" sz="1200" dirty="0" smtClean="0"/>
+              <a:t>用来压缩数据。</a:t>
+            </a:r>
+            <a:endParaRPr lang="zh-CN" altLang="en-US" sz="1200" dirty="0"/>
           </a:p>
         </p:txBody>
       </p:sp>
